--- a/jeu_serieux/SELGEN.pptx
+++ b/jeu_serieux/SELGEN.pptx
@@ -14714,6 +14714,13 @@
   <p:clrMapOvr>
     <a:masterClrMapping/>
   </p:clrMapOvr>
+  <p:timing>
+    <p:tnLst>
+      <p:par>
+        <p:cTn id="1" dur="indefinite" restart="never" nodeType="tmRoot"/>
+      </p:par>
+    </p:tnLst>
+  </p:timing>
 </p:sld>
 </file>
 
@@ -22488,6 +22495,13 @@
   <p:clrMapOvr>
     <a:masterClrMapping/>
   </p:clrMapOvr>
+  <p:timing>
+    <p:tnLst>
+      <p:par>
+        <p:cTn id="1" dur="indefinite" restart="never" nodeType="tmRoot"/>
+      </p:par>
+    </p:tnLst>
+  </p:timing>
 </p:sld>
 </file>
 
@@ -22558,7 +22572,7 @@
         </p:nvGraphicFramePr>
         <p:xfrm>
           <a:off x="907413" y="1188500"/>
-          <a:ext cx="3000000" cy="3000000"/>
+          <a:ext cx="9874825" cy="4443624"/>
         </p:xfrm>
         <a:graphic>
           <a:graphicData uri="http://schemas.openxmlformats.org/drawingml/2006/table">
@@ -26089,6 +26103,13 @@
   <p:clrMapOvr>
     <a:masterClrMapping/>
   </p:clrMapOvr>
+  <p:timing>
+    <p:tnLst>
+      <p:par>
+        <p:cTn id="1" dur="indefinite" restart="never" nodeType="tmRoot"/>
+      </p:par>
+    </p:tnLst>
+  </p:timing>
 </p:sld>
 </file>
 
@@ -26163,8 +26184,8 @@
         </p:nvSpPr>
         <p:spPr>
           <a:xfrm>
-            <a:off x="541825" y="1800925"/>
-            <a:ext cx="10515600" cy="1434600"/>
+            <a:off x="445573" y="1588200"/>
+            <a:ext cx="10515600" cy="950463"/>
           </a:xfrm>
           <a:prstGeom prst="rect">
             <a:avLst/>
@@ -26186,10 +26207,10 @@
               <a:buNone/>
             </a:pPr>
             <a:r>
-              <a:rPr lang="fr-FR" sz="2400"/>
+              <a:rPr lang="fr-FR" sz="2400" dirty="0"/>
               <a:t>Vous avez exploré vos données et vous avez sélectionné N génotypes de la collection à croiser ensemble (par exemple)</a:t>
             </a:r>
-            <a:endParaRPr sz="2600"/>
+            <a:endParaRPr sz="2600" dirty="0"/>
           </a:p>
         </p:txBody>
       </p:sp>
@@ -26648,6 +26669,13 @@
   <p:clrMapOvr>
     <a:masterClrMapping/>
   </p:clrMapOvr>
+  <p:timing>
+    <p:tnLst>
+      <p:par>
+        <p:cTn id="1" dur="indefinite" restart="never" nodeType="tmRoot"/>
+      </p:par>
+    </p:tnLst>
+  </p:timing>
 </p:sld>
 </file>
 
@@ -28478,6 +28506,13 @@
   <p:clrMapOvr>
     <a:masterClrMapping/>
   </p:clrMapOvr>
+  <p:timing>
+    <p:tnLst>
+      <p:par>
+        <p:cTn id="1" dur="indefinite" restart="never" nodeType="tmRoot"/>
+      </p:par>
+    </p:tnLst>
+  </p:timing>
 </p:sld>
 </file>
 
